--- a/ModelEvaluation.pptx
+++ b/ModelEvaluation.pptx
@@ -8,6 +8,7 @@
     <p:sldId id="256" r:id="rId2"/>
     <p:sldId id="257" r:id="rId3"/>
     <p:sldId id="258" r:id="rId4"/>
+    <p:sldId id="259" r:id="rId5"/>
   </p:sldIdLst>
   <p:sldSz cx="12192000" cy="6858000"/>
   <p:notesSz cx="6858000" cy="9144000"/>
@@ -136,7 +137,7 @@
           <p:cNvPr id="2" name="Title 1">
             <a:extLst>
               <a:ext uri="{FF2B5EF4-FFF2-40B4-BE49-F238E27FC236}">
-                <a16:creationId xmlns:a16="http://schemas.microsoft.com/office/drawing/2014/main" xmlns="" id="{098D6E2D-06CB-5B4C-AD83-311ABD1680BE}"/>
+                <a16:creationId xmlns="" xmlns:a16="http://schemas.microsoft.com/office/drawing/2014/main" id="{098D6E2D-06CB-5B4C-AD83-311ABD1680BE}"/>
               </a:ext>
             </a:extLst>
           </p:cNvPr>
@@ -173,7 +174,7 @@
           <p:cNvPr id="3" name="Subtitle 2">
             <a:extLst>
               <a:ext uri="{FF2B5EF4-FFF2-40B4-BE49-F238E27FC236}">
-                <a16:creationId xmlns:a16="http://schemas.microsoft.com/office/drawing/2014/main" xmlns="" id="{1206601C-DD0F-E645-BAA5-DA88CA5DBCC3}"/>
+                <a16:creationId xmlns="" xmlns:a16="http://schemas.microsoft.com/office/drawing/2014/main" id="{1206601C-DD0F-E645-BAA5-DA88CA5DBCC3}"/>
               </a:ext>
             </a:extLst>
           </p:cNvPr>
@@ -243,7 +244,7 @@
           <p:cNvPr id="4" name="Date Placeholder 3">
             <a:extLst>
               <a:ext uri="{FF2B5EF4-FFF2-40B4-BE49-F238E27FC236}">
-                <a16:creationId xmlns:a16="http://schemas.microsoft.com/office/drawing/2014/main" xmlns="" id="{16A18FE8-FEF9-CD40-AA5C-36452CC4C2D2}"/>
+                <a16:creationId xmlns="" xmlns:a16="http://schemas.microsoft.com/office/drawing/2014/main" id="{16A18FE8-FEF9-CD40-AA5C-36452CC4C2D2}"/>
               </a:ext>
             </a:extLst>
           </p:cNvPr>
@@ -261,7 +262,7 @@
           <a:p>
             <a:fld id="{535F16BF-3CF2-8C4D-A235-C33F2149ABED}" type="datetimeFigureOut">
               <a:rPr lang="en-US" smtClean="0"/>
-              <a:t>11/27/2018</a:t>
+              <a:t>11/28/2018</a:t>
             </a:fld>
             <a:endParaRPr lang="en-US"/>
           </a:p>
@@ -272,7 +273,7 @@
           <p:cNvPr id="5" name="Footer Placeholder 4">
             <a:extLst>
               <a:ext uri="{FF2B5EF4-FFF2-40B4-BE49-F238E27FC236}">
-                <a16:creationId xmlns:a16="http://schemas.microsoft.com/office/drawing/2014/main" xmlns="" id="{B0880C94-A419-A142-AAEE-F69EC0B40C8B}"/>
+                <a16:creationId xmlns="" xmlns:a16="http://schemas.microsoft.com/office/drawing/2014/main" id="{B0880C94-A419-A142-AAEE-F69EC0B40C8B}"/>
               </a:ext>
             </a:extLst>
           </p:cNvPr>
@@ -297,7 +298,7 @@
           <p:cNvPr id="6" name="Slide Number Placeholder 5">
             <a:extLst>
               <a:ext uri="{FF2B5EF4-FFF2-40B4-BE49-F238E27FC236}">
-                <a16:creationId xmlns:a16="http://schemas.microsoft.com/office/drawing/2014/main" xmlns="" id="{619ABE37-D95A-B045-B8ED-C636FAA7A0DF}"/>
+                <a16:creationId xmlns="" xmlns:a16="http://schemas.microsoft.com/office/drawing/2014/main" id="{619ABE37-D95A-B045-B8ED-C636FAA7A0DF}"/>
               </a:ext>
             </a:extLst>
           </p:cNvPr>
@@ -356,7 +357,7 @@
           <p:cNvPr id="2" name="Title 1">
             <a:extLst>
               <a:ext uri="{FF2B5EF4-FFF2-40B4-BE49-F238E27FC236}">
-                <a16:creationId xmlns:a16="http://schemas.microsoft.com/office/drawing/2014/main" xmlns="" id="{DA99F3F6-5382-0749-92C1-FCCDD4A53A41}"/>
+                <a16:creationId xmlns="" xmlns:a16="http://schemas.microsoft.com/office/drawing/2014/main" id="{DA99F3F6-5382-0749-92C1-FCCDD4A53A41}"/>
               </a:ext>
             </a:extLst>
           </p:cNvPr>
@@ -384,7 +385,7 @@
           <p:cNvPr id="3" name="Vertical Text Placeholder 2">
             <a:extLst>
               <a:ext uri="{FF2B5EF4-FFF2-40B4-BE49-F238E27FC236}">
-                <a16:creationId xmlns:a16="http://schemas.microsoft.com/office/drawing/2014/main" xmlns="" id="{7BB72519-AFE1-C344-8887-ADF0E39572F5}"/>
+                <a16:creationId xmlns="" xmlns:a16="http://schemas.microsoft.com/office/drawing/2014/main" id="{7BB72519-AFE1-C344-8887-ADF0E39572F5}"/>
               </a:ext>
             </a:extLst>
           </p:cNvPr>
@@ -441,7 +442,7 @@
           <p:cNvPr id="4" name="Date Placeholder 3">
             <a:extLst>
               <a:ext uri="{FF2B5EF4-FFF2-40B4-BE49-F238E27FC236}">
-                <a16:creationId xmlns:a16="http://schemas.microsoft.com/office/drawing/2014/main" xmlns="" id="{115AC6B2-F66C-D141-8BBD-3D95822B6AD9}"/>
+                <a16:creationId xmlns="" xmlns:a16="http://schemas.microsoft.com/office/drawing/2014/main" id="{115AC6B2-F66C-D141-8BBD-3D95822B6AD9}"/>
               </a:ext>
             </a:extLst>
           </p:cNvPr>
@@ -459,7 +460,7 @@
           <a:p>
             <a:fld id="{535F16BF-3CF2-8C4D-A235-C33F2149ABED}" type="datetimeFigureOut">
               <a:rPr lang="en-US" smtClean="0"/>
-              <a:t>11/27/2018</a:t>
+              <a:t>11/28/2018</a:t>
             </a:fld>
             <a:endParaRPr lang="en-US"/>
           </a:p>
@@ -470,7 +471,7 @@
           <p:cNvPr id="5" name="Footer Placeholder 4">
             <a:extLst>
               <a:ext uri="{FF2B5EF4-FFF2-40B4-BE49-F238E27FC236}">
-                <a16:creationId xmlns:a16="http://schemas.microsoft.com/office/drawing/2014/main" xmlns="" id="{B8DC2A5B-45EF-9C4D-AC8E-911731585885}"/>
+                <a16:creationId xmlns="" xmlns:a16="http://schemas.microsoft.com/office/drawing/2014/main" id="{B8DC2A5B-45EF-9C4D-AC8E-911731585885}"/>
               </a:ext>
             </a:extLst>
           </p:cNvPr>
@@ -495,7 +496,7 @@
           <p:cNvPr id="6" name="Slide Number Placeholder 5">
             <a:extLst>
               <a:ext uri="{FF2B5EF4-FFF2-40B4-BE49-F238E27FC236}">
-                <a16:creationId xmlns:a16="http://schemas.microsoft.com/office/drawing/2014/main" xmlns="" id="{0647CA4A-D0BA-D849-A336-3B399E75D1F0}"/>
+                <a16:creationId xmlns="" xmlns:a16="http://schemas.microsoft.com/office/drawing/2014/main" id="{0647CA4A-D0BA-D849-A336-3B399E75D1F0}"/>
               </a:ext>
             </a:extLst>
           </p:cNvPr>
@@ -554,7 +555,7 @@
           <p:cNvPr id="2" name="Vertical Title 1">
             <a:extLst>
               <a:ext uri="{FF2B5EF4-FFF2-40B4-BE49-F238E27FC236}">
-                <a16:creationId xmlns:a16="http://schemas.microsoft.com/office/drawing/2014/main" xmlns="" id="{3AA10E06-4B1A-0349-8BFE-BEBBD49F85A5}"/>
+                <a16:creationId xmlns="" xmlns:a16="http://schemas.microsoft.com/office/drawing/2014/main" id="{3AA10E06-4B1A-0349-8BFE-BEBBD49F85A5}"/>
               </a:ext>
             </a:extLst>
           </p:cNvPr>
@@ -587,7 +588,7 @@
           <p:cNvPr id="3" name="Vertical Text Placeholder 2">
             <a:extLst>
               <a:ext uri="{FF2B5EF4-FFF2-40B4-BE49-F238E27FC236}">
-                <a16:creationId xmlns:a16="http://schemas.microsoft.com/office/drawing/2014/main" xmlns="" id="{C335A256-ED3E-4F4B-A5A0-4D980932386A}"/>
+                <a16:creationId xmlns="" xmlns:a16="http://schemas.microsoft.com/office/drawing/2014/main" id="{C335A256-ED3E-4F4B-A5A0-4D980932386A}"/>
               </a:ext>
             </a:extLst>
           </p:cNvPr>
@@ -649,7 +650,7 @@
           <p:cNvPr id="4" name="Date Placeholder 3">
             <a:extLst>
               <a:ext uri="{FF2B5EF4-FFF2-40B4-BE49-F238E27FC236}">
-                <a16:creationId xmlns:a16="http://schemas.microsoft.com/office/drawing/2014/main" xmlns="" id="{6D731BAC-C06E-C744-9517-D578037C1FCC}"/>
+                <a16:creationId xmlns="" xmlns:a16="http://schemas.microsoft.com/office/drawing/2014/main" id="{6D731BAC-C06E-C744-9517-D578037C1FCC}"/>
               </a:ext>
             </a:extLst>
           </p:cNvPr>
@@ -667,7 +668,7 @@
           <a:p>
             <a:fld id="{535F16BF-3CF2-8C4D-A235-C33F2149ABED}" type="datetimeFigureOut">
               <a:rPr lang="en-US" smtClean="0"/>
-              <a:t>11/27/2018</a:t>
+              <a:t>11/28/2018</a:t>
             </a:fld>
             <a:endParaRPr lang="en-US"/>
           </a:p>
@@ -678,7 +679,7 @@
           <p:cNvPr id="5" name="Footer Placeholder 4">
             <a:extLst>
               <a:ext uri="{FF2B5EF4-FFF2-40B4-BE49-F238E27FC236}">
-                <a16:creationId xmlns:a16="http://schemas.microsoft.com/office/drawing/2014/main" xmlns="" id="{25128E72-4609-1444-9832-AC5F1DEC8048}"/>
+                <a16:creationId xmlns="" xmlns:a16="http://schemas.microsoft.com/office/drawing/2014/main" id="{25128E72-4609-1444-9832-AC5F1DEC8048}"/>
               </a:ext>
             </a:extLst>
           </p:cNvPr>
@@ -703,7 +704,7 @@
           <p:cNvPr id="6" name="Slide Number Placeholder 5">
             <a:extLst>
               <a:ext uri="{FF2B5EF4-FFF2-40B4-BE49-F238E27FC236}">
-                <a16:creationId xmlns:a16="http://schemas.microsoft.com/office/drawing/2014/main" xmlns="" id="{A1DA9EF5-993A-3241-B1E3-016A36469EC6}"/>
+                <a16:creationId xmlns="" xmlns:a16="http://schemas.microsoft.com/office/drawing/2014/main" id="{A1DA9EF5-993A-3241-B1E3-016A36469EC6}"/>
               </a:ext>
             </a:extLst>
           </p:cNvPr>
@@ -762,7 +763,7 @@
           <p:cNvPr id="2" name="Title 1">
             <a:extLst>
               <a:ext uri="{FF2B5EF4-FFF2-40B4-BE49-F238E27FC236}">
-                <a16:creationId xmlns:a16="http://schemas.microsoft.com/office/drawing/2014/main" xmlns="" id="{524E20C2-91F2-F941-800C-3481EC1B8640}"/>
+                <a16:creationId xmlns="" xmlns:a16="http://schemas.microsoft.com/office/drawing/2014/main" id="{524E20C2-91F2-F941-800C-3481EC1B8640}"/>
               </a:ext>
             </a:extLst>
           </p:cNvPr>
@@ -790,7 +791,7 @@
           <p:cNvPr id="3" name="Content Placeholder 2">
             <a:extLst>
               <a:ext uri="{FF2B5EF4-FFF2-40B4-BE49-F238E27FC236}">
-                <a16:creationId xmlns:a16="http://schemas.microsoft.com/office/drawing/2014/main" xmlns="" id="{34248C73-51CF-D141-81B1-75E88769692E}"/>
+                <a16:creationId xmlns="" xmlns:a16="http://schemas.microsoft.com/office/drawing/2014/main" id="{34248C73-51CF-D141-81B1-75E88769692E}"/>
               </a:ext>
             </a:extLst>
           </p:cNvPr>
@@ -847,7 +848,7 @@
           <p:cNvPr id="4" name="Date Placeholder 3">
             <a:extLst>
               <a:ext uri="{FF2B5EF4-FFF2-40B4-BE49-F238E27FC236}">
-                <a16:creationId xmlns:a16="http://schemas.microsoft.com/office/drawing/2014/main" xmlns="" id="{12BBC658-AD23-2D4B-B3A2-3A6BCCF5D192}"/>
+                <a16:creationId xmlns="" xmlns:a16="http://schemas.microsoft.com/office/drawing/2014/main" id="{12BBC658-AD23-2D4B-B3A2-3A6BCCF5D192}"/>
               </a:ext>
             </a:extLst>
           </p:cNvPr>
@@ -865,7 +866,7 @@
           <a:p>
             <a:fld id="{535F16BF-3CF2-8C4D-A235-C33F2149ABED}" type="datetimeFigureOut">
               <a:rPr lang="en-US" smtClean="0"/>
-              <a:t>11/27/2018</a:t>
+              <a:t>11/28/2018</a:t>
             </a:fld>
             <a:endParaRPr lang="en-US"/>
           </a:p>
@@ -876,7 +877,7 @@
           <p:cNvPr id="5" name="Footer Placeholder 4">
             <a:extLst>
               <a:ext uri="{FF2B5EF4-FFF2-40B4-BE49-F238E27FC236}">
-                <a16:creationId xmlns:a16="http://schemas.microsoft.com/office/drawing/2014/main" xmlns="" id="{CAFFEBAF-0266-7240-B46E-2EE1C5581EA1}"/>
+                <a16:creationId xmlns="" xmlns:a16="http://schemas.microsoft.com/office/drawing/2014/main" id="{CAFFEBAF-0266-7240-B46E-2EE1C5581EA1}"/>
               </a:ext>
             </a:extLst>
           </p:cNvPr>
@@ -901,7 +902,7 @@
           <p:cNvPr id="6" name="Slide Number Placeholder 5">
             <a:extLst>
               <a:ext uri="{FF2B5EF4-FFF2-40B4-BE49-F238E27FC236}">
-                <a16:creationId xmlns:a16="http://schemas.microsoft.com/office/drawing/2014/main" xmlns="" id="{FF3EF199-97E8-3840-83A1-7896494AE345}"/>
+                <a16:creationId xmlns="" xmlns:a16="http://schemas.microsoft.com/office/drawing/2014/main" id="{FF3EF199-97E8-3840-83A1-7896494AE345}"/>
               </a:ext>
             </a:extLst>
           </p:cNvPr>
@@ -960,7 +961,7 @@
           <p:cNvPr id="2" name="Title 1">
             <a:extLst>
               <a:ext uri="{FF2B5EF4-FFF2-40B4-BE49-F238E27FC236}">
-                <a16:creationId xmlns:a16="http://schemas.microsoft.com/office/drawing/2014/main" xmlns="" id="{DE6E07E4-2B00-9D4B-A242-44D457947122}"/>
+                <a16:creationId xmlns="" xmlns:a16="http://schemas.microsoft.com/office/drawing/2014/main" id="{DE6E07E4-2B00-9D4B-A242-44D457947122}"/>
               </a:ext>
             </a:extLst>
           </p:cNvPr>
@@ -997,7 +998,7 @@
           <p:cNvPr id="3" name="Text Placeholder 2">
             <a:extLst>
               <a:ext uri="{FF2B5EF4-FFF2-40B4-BE49-F238E27FC236}">
-                <a16:creationId xmlns:a16="http://schemas.microsoft.com/office/drawing/2014/main" xmlns="" id="{713B5427-53FE-F545-A24B-39D9FA985005}"/>
+                <a16:creationId xmlns="" xmlns:a16="http://schemas.microsoft.com/office/drawing/2014/main" id="{713B5427-53FE-F545-A24B-39D9FA985005}"/>
               </a:ext>
             </a:extLst>
           </p:cNvPr>
@@ -1122,7 +1123,7 @@
           <p:cNvPr id="4" name="Date Placeholder 3">
             <a:extLst>
               <a:ext uri="{FF2B5EF4-FFF2-40B4-BE49-F238E27FC236}">
-                <a16:creationId xmlns:a16="http://schemas.microsoft.com/office/drawing/2014/main" xmlns="" id="{A4E69022-8E44-094B-A2AC-871E588DD133}"/>
+                <a16:creationId xmlns="" xmlns:a16="http://schemas.microsoft.com/office/drawing/2014/main" id="{A4E69022-8E44-094B-A2AC-871E588DD133}"/>
               </a:ext>
             </a:extLst>
           </p:cNvPr>
@@ -1140,7 +1141,7 @@
           <a:p>
             <a:fld id="{535F16BF-3CF2-8C4D-A235-C33F2149ABED}" type="datetimeFigureOut">
               <a:rPr lang="en-US" smtClean="0"/>
-              <a:t>11/27/2018</a:t>
+              <a:t>11/28/2018</a:t>
             </a:fld>
             <a:endParaRPr lang="en-US"/>
           </a:p>
@@ -1151,7 +1152,7 @@
           <p:cNvPr id="5" name="Footer Placeholder 4">
             <a:extLst>
               <a:ext uri="{FF2B5EF4-FFF2-40B4-BE49-F238E27FC236}">
-                <a16:creationId xmlns:a16="http://schemas.microsoft.com/office/drawing/2014/main" xmlns="" id="{859FEF3D-3F19-D44D-846B-CBD11DFD84F6}"/>
+                <a16:creationId xmlns="" xmlns:a16="http://schemas.microsoft.com/office/drawing/2014/main" id="{859FEF3D-3F19-D44D-846B-CBD11DFD84F6}"/>
               </a:ext>
             </a:extLst>
           </p:cNvPr>
@@ -1176,7 +1177,7 @@
           <p:cNvPr id="6" name="Slide Number Placeholder 5">
             <a:extLst>
               <a:ext uri="{FF2B5EF4-FFF2-40B4-BE49-F238E27FC236}">
-                <a16:creationId xmlns:a16="http://schemas.microsoft.com/office/drawing/2014/main" xmlns="" id="{BDD1C6CE-9992-2242-BFCA-B59D589A2F3C}"/>
+                <a16:creationId xmlns="" xmlns:a16="http://schemas.microsoft.com/office/drawing/2014/main" id="{BDD1C6CE-9992-2242-BFCA-B59D589A2F3C}"/>
               </a:ext>
             </a:extLst>
           </p:cNvPr>
@@ -1235,7 +1236,7 @@
           <p:cNvPr id="2" name="Title 1">
             <a:extLst>
               <a:ext uri="{FF2B5EF4-FFF2-40B4-BE49-F238E27FC236}">
-                <a16:creationId xmlns:a16="http://schemas.microsoft.com/office/drawing/2014/main" xmlns="" id="{175BDA02-1299-3A4B-BF6F-8B7D50A87840}"/>
+                <a16:creationId xmlns="" xmlns:a16="http://schemas.microsoft.com/office/drawing/2014/main" id="{175BDA02-1299-3A4B-BF6F-8B7D50A87840}"/>
               </a:ext>
             </a:extLst>
           </p:cNvPr>
@@ -1263,7 +1264,7 @@
           <p:cNvPr id="3" name="Content Placeholder 2">
             <a:extLst>
               <a:ext uri="{FF2B5EF4-FFF2-40B4-BE49-F238E27FC236}">
-                <a16:creationId xmlns:a16="http://schemas.microsoft.com/office/drawing/2014/main" xmlns="" id="{8C3043A3-1354-9145-AE63-4901ED9E0691}"/>
+                <a16:creationId xmlns="" xmlns:a16="http://schemas.microsoft.com/office/drawing/2014/main" id="{8C3043A3-1354-9145-AE63-4901ED9E0691}"/>
               </a:ext>
             </a:extLst>
           </p:cNvPr>
@@ -1325,7 +1326,7 @@
           <p:cNvPr id="4" name="Content Placeholder 3">
             <a:extLst>
               <a:ext uri="{FF2B5EF4-FFF2-40B4-BE49-F238E27FC236}">
-                <a16:creationId xmlns:a16="http://schemas.microsoft.com/office/drawing/2014/main" xmlns="" id="{DDB6C90F-E69B-1744-A563-DA30551B9F7D}"/>
+                <a16:creationId xmlns="" xmlns:a16="http://schemas.microsoft.com/office/drawing/2014/main" id="{DDB6C90F-E69B-1744-A563-DA30551B9F7D}"/>
               </a:ext>
             </a:extLst>
           </p:cNvPr>
@@ -1387,7 +1388,7 @@
           <p:cNvPr id="5" name="Date Placeholder 4">
             <a:extLst>
               <a:ext uri="{FF2B5EF4-FFF2-40B4-BE49-F238E27FC236}">
-                <a16:creationId xmlns:a16="http://schemas.microsoft.com/office/drawing/2014/main" xmlns="" id="{F3B2C812-7EE8-7E4D-BC89-DF62DD52A27B}"/>
+                <a16:creationId xmlns="" xmlns:a16="http://schemas.microsoft.com/office/drawing/2014/main" id="{F3B2C812-7EE8-7E4D-BC89-DF62DD52A27B}"/>
               </a:ext>
             </a:extLst>
           </p:cNvPr>
@@ -1405,7 +1406,7 @@
           <a:p>
             <a:fld id="{535F16BF-3CF2-8C4D-A235-C33F2149ABED}" type="datetimeFigureOut">
               <a:rPr lang="en-US" smtClean="0"/>
-              <a:t>11/27/2018</a:t>
+              <a:t>11/28/2018</a:t>
             </a:fld>
             <a:endParaRPr lang="en-US"/>
           </a:p>
@@ -1416,7 +1417,7 @@
           <p:cNvPr id="6" name="Footer Placeholder 5">
             <a:extLst>
               <a:ext uri="{FF2B5EF4-FFF2-40B4-BE49-F238E27FC236}">
-                <a16:creationId xmlns:a16="http://schemas.microsoft.com/office/drawing/2014/main" xmlns="" id="{A75323E2-49CF-8E42-AF8A-079DFAD8DA09}"/>
+                <a16:creationId xmlns="" xmlns:a16="http://schemas.microsoft.com/office/drawing/2014/main" id="{A75323E2-49CF-8E42-AF8A-079DFAD8DA09}"/>
               </a:ext>
             </a:extLst>
           </p:cNvPr>
@@ -1441,7 +1442,7 @@
           <p:cNvPr id="7" name="Slide Number Placeholder 6">
             <a:extLst>
               <a:ext uri="{FF2B5EF4-FFF2-40B4-BE49-F238E27FC236}">
-                <a16:creationId xmlns:a16="http://schemas.microsoft.com/office/drawing/2014/main" xmlns="" id="{66A3C436-C55D-D84F-AFED-0617191D6C30}"/>
+                <a16:creationId xmlns="" xmlns:a16="http://schemas.microsoft.com/office/drawing/2014/main" id="{66A3C436-C55D-D84F-AFED-0617191D6C30}"/>
               </a:ext>
             </a:extLst>
           </p:cNvPr>
@@ -1500,7 +1501,7 @@
           <p:cNvPr id="2" name="Title 1">
             <a:extLst>
               <a:ext uri="{FF2B5EF4-FFF2-40B4-BE49-F238E27FC236}">
-                <a16:creationId xmlns:a16="http://schemas.microsoft.com/office/drawing/2014/main" xmlns="" id="{77586A55-D924-4544-B299-C75FF9B32264}"/>
+                <a16:creationId xmlns="" xmlns:a16="http://schemas.microsoft.com/office/drawing/2014/main" id="{77586A55-D924-4544-B299-C75FF9B32264}"/>
               </a:ext>
             </a:extLst>
           </p:cNvPr>
@@ -1533,7 +1534,7 @@
           <p:cNvPr id="3" name="Text Placeholder 2">
             <a:extLst>
               <a:ext uri="{FF2B5EF4-FFF2-40B4-BE49-F238E27FC236}">
-                <a16:creationId xmlns:a16="http://schemas.microsoft.com/office/drawing/2014/main" xmlns="" id="{E3C8FDD3-E613-6841-BCBD-40D293B7D8ED}"/>
+                <a16:creationId xmlns="" xmlns:a16="http://schemas.microsoft.com/office/drawing/2014/main" id="{E3C8FDD3-E613-6841-BCBD-40D293B7D8ED}"/>
               </a:ext>
             </a:extLst>
           </p:cNvPr>
@@ -1604,7 +1605,7 @@
           <p:cNvPr id="4" name="Content Placeholder 3">
             <a:extLst>
               <a:ext uri="{FF2B5EF4-FFF2-40B4-BE49-F238E27FC236}">
-                <a16:creationId xmlns:a16="http://schemas.microsoft.com/office/drawing/2014/main" xmlns="" id="{8677342E-B862-F641-8DB0-3A948D4912C2}"/>
+                <a16:creationId xmlns="" xmlns:a16="http://schemas.microsoft.com/office/drawing/2014/main" id="{8677342E-B862-F641-8DB0-3A948D4912C2}"/>
               </a:ext>
             </a:extLst>
           </p:cNvPr>
@@ -1666,7 +1667,7 @@
           <p:cNvPr id="5" name="Text Placeholder 4">
             <a:extLst>
               <a:ext uri="{FF2B5EF4-FFF2-40B4-BE49-F238E27FC236}">
-                <a16:creationId xmlns:a16="http://schemas.microsoft.com/office/drawing/2014/main" xmlns="" id="{B44BA19B-497E-594F-BBC0-12473FCCF065}"/>
+                <a16:creationId xmlns="" xmlns:a16="http://schemas.microsoft.com/office/drawing/2014/main" id="{B44BA19B-497E-594F-BBC0-12473FCCF065}"/>
               </a:ext>
             </a:extLst>
           </p:cNvPr>
@@ -1737,7 +1738,7 @@
           <p:cNvPr id="6" name="Content Placeholder 5">
             <a:extLst>
               <a:ext uri="{FF2B5EF4-FFF2-40B4-BE49-F238E27FC236}">
-                <a16:creationId xmlns:a16="http://schemas.microsoft.com/office/drawing/2014/main" xmlns="" id="{CB440465-359A-6E44-BB2D-24A3F7E08551}"/>
+                <a16:creationId xmlns="" xmlns:a16="http://schemas.microsoft.com/office/drawing/2014/main" id="{CB440465-359A-6E44-BB2D-24A3F7E08551}"/>
               </a:ext>
             </a:extLst>
           </p:cNvPr>
@@ -1799,7 +1800,7 @@
           <p:cNvPr id="7" name="Date Placeholder 6">
             <a:extLst>
               <a:ext uri="{FF2B5EF4-FFF2-40B4-BE49-F238E27FC236}">
-                <a16:creationId xmlns:a16="http://schemas.microsoft.com/office/drawing/2014/main" xmlns="" id="{49CE6B12-65FA-5946-9787-D8135A3F98F9}"/>
+                <a16:creationId xmlns="" xmlns:a16="http://schemas.microsoft.com/office/drawing/2014/main" id="{49CE6B12-65FA-5946-9787-D8135A3F98F9}"/>
               </a:ext>
             </a:extLst>
           </p:cNvPr>
@@ -1817,7 +1818,7 @@
           <a:p>
             <a:fld id="{535F16BF-3CF2-8C4D-A235-C33F2149ABED}" type="datetimeFigureOut">
               <a:rPr lang="en-US" smtClean="0"/>
-              <a:t>11/27/2018</a:t>
+              <a:t>11/28/2018</a:t>
             </a:fld>
             <a:endParaRPr lang="en-US"/>
           </a:p>
@@ -1828,7 +1829,7 @@
           <p:cNvPr id="8" name="Footer Placeholder 7">
             <a:extLst>
               <a:ext uri="{FF2B5EF4-FFF2-40B4-BE49-F238E27FC236}">
-                <a16:creationId xmlns:a16="http://schemas.microsoft.com/office/drawing/2014/main" xmlns="" id="{721DE244-B0CA-2F4D-B20E-7249E93D82D1}"/>
+                <a16:creationId xmlns="" xmlns:a16="http://schemas.microsoft.com/office/drawing/2014/main" id="{721DE244-B0CA-2F4D-B20E-7249E93D82D1}"/>
               </a:ext>
             </a:extLst>
           </p:cNvPr>
@@ -1853,7 +1854,7 @@
           <p:cNvPr id="9" name="Slide Number Placeholder 8">
             <a:extLst>
               <a:ext uri="{FF2B5EF4-FFF2-40B4-BE49-F238E27FC236}">
-                <a16:creationId xmlns:a16="http://schemas.microsoft.com/office/drawing/2014/main" xmlns="" id="{C12A1451-73BF-0544-B7DC-9FD019536116}"/>
+                <a16:creationId xmlns="" xmlns:a16="http://schemas.microsoft.com/office/drawing/2014/main" id="{C12A1451-73BF-0544-B7DC-9FD019536116}"/>
               </a:ext>
             </a:extLst>
           </p:cNvPr>
@@ -1912,7 +1913,7 @@
           <p:cNvPr id="2" name="Title 1">
             <a:extLst>
               <a:ext uri="{FF2B5EF4-FFF2-40B4-BE49-F238E27FC236}">
-                <a16:creationId xmlns:a16="http://schemas.microsoft.com/office/drawing/2014/main" xmlns="" id="{43420EB5-D3EF-D141-B38C-AE6AEF8EBB4B}"/>
+                <a16:creationId xmlns="" xmlns:a16="http://schemas.microsoft.com/office/drawing/2014/main" id="{43420EB5-D3EF-D141-B38C-AE6AEF8EBB4B}"/>
               </a:ext>
             </a:extLst>
           </p:cNvPr>
@@ -1940,7 +1941,7 @@
           <p:cNvPr id="3" name="Date Placeholder 2">
             <a:extLst>
               <a:ext uri="{FF2B5EF4-FFF2-40B4-BE49-F238E27FC236}">
-                <a16:creationId xmlns:a16="http://schemas.microsoft.com/office/drawing/2014/main" xmlns="" id="{77767C16-42DE-3E4B-B72C-9C32A54C24A6}"/>
+                <a16:creationId xmlns="" xmlns:a16="http://schemas.microsoft.com/office/drawing/2014/main" id="{77767C16-42DE-3E4B-B72C-9C32A54C24A6}"/>
               </a:ext>
             </a:extLst>
           </p:cNvPr>
@@ -1958,7 +1959,7 @@
           <a:p>
             <a:fld id="{535F16BF-3CF2-8C4D-A235-C33F2149ABED}" type="datetimeFigureOut">
               <a:rPr lang="en-US" smtClean="0"/>
-              <a:t>11/27/2018</a:t>
+              <a:t>11/28/2018</a:t>
             </a:fld>
             <a:endParaRPr lang="en-US"/>
           </a:p>
@@ -1969,7 +1970,7 @@
           <p:cNvPr id="4" name="Footer Placeholder 3">
             <a:extLst>
               <a:ext uri="{FF2B5EF4-FFF2-40B4-BE49-F238E27FC236}">
-                <a16:creationId xmlns:a16="http://schemas.microsoft.com/office/drawing/2014/main" xmlns="" id="{C21493F1-3554-6F44-A8B8-C416437958D6}"/>
+                <a16:creationId xmlns="" xmlns:a16="http://schemas.microsoft.com/office/drawing/2014/main" id="{C21493F1-3554-6F44-A8B8-C416437958D6}"/>
               </a:ext>
             </a:extLst>
           </p:cNvPr>
@@ -1994,7 +1995,7 @@
           <p:cNvPr id="5" name="Slide Number Placeholder 4">
             <a:extLst>
               <a:ext uri="{FF2B5EF4-FFF2-40B4-BE49-F238E27FC236}">
-                <a16:creationId xmlns:a16="http://schemas.microsoft.com/office/drawing/2014/main" xmlns="" id="{ECD6192B-63A7-A941-B1C7-520682F3E4AF}"/>
+                <a16:creationId xmlns="" xmlns:a16="http://schemas.microsoft.com/office/drawing/2014/main" id="{ECD6192B-63A7-A941-B1C7-520682F3E4AF}"/>
               </a:ext>
             </a:extLst>
           </p:cNvPr>
@@ -2053,7 +2054,7 @@
           <p:cNvPr id="2" name="Date Placeholder 1">
             <a:extLst>
               <a:ext uri="{FF2B5EF4-FFF2-40B4-BE49-F238E27FC236}">
-                <a16:creationId xmlns:a16="http://schemas.microsoft.com/office/drawing/2014/main" xmlns="" id="{8752B5A9-C39D-F043-B944-E1309C95B88E}"/>
+                <a16:creationId xmlns="" xmlns:a16="http://schemas.microsoft.com/office/drawing/2014/main" id="{8752B5A9-C39D-F043-B944-E1309C95B88E}"/>
               </a:ext>
             </a:extLst>
           </p:cNvPr>
@@ -2071,7 +2072,7 @@
           <a:p>
             <a:fld id="{535F16BF-3CF2-8C4D-A235-C33F2149ABED}" type="datetimeFigureOut">
               <a:rPr lang="en-US" smtClean="0"/>
-              <a:t>11/27/2018</a:t>
+              <a:t>11/28/2018</a:t>
             </a:fld>
             <a:endParaRPr lang="en-US"/>
           </a:p>
@@ -2082,7 +2083,7 @@
           <p:cNvPr id="3" name="Footer Placeholder 2">
             <a:extLst>
               <a:ext uri="{FF2B5EF4-FFF2-40B4-BE49-F238E27FC236}">
-                <a16:creationId xmlns:a16="http://schemas.microsoft.com/office/drawing/2014/main" xmlns="" id="{F06A5008-9AAC-E246-A986-A9CAB89D6BFC}"/>
+                <a16:creationId xmlns="" xmlns:a16="http://schemas.microsoft.com/office/drawing/2014/main" id="{F06A5008-9AAC-E246-A986-A9CAB89D6BFC}"/>
               </a:ext>
             </a:extLst>
           </p:cNvPr>
@@ -2107,7 +2108,7 @@
           <p:cNvPr id="4" name="Slide Number Placeholder 3">
             <a:extLst>
               <a:ext uri="{FF2B5EF4-FFF2-40B4-BE49-F238E27FC236}">
-                <a16:creationId xmlns:a16="http://schemas.microsoft.com/office/drawing/2014/main" xmlns="" id="{650B3C1A-FAAC-D243-9355-5C10D8587878}"/>
+                <a16:creationId xmlns="" xmlns:a16="http://schemas.microsoft.com/office/drawing/2014/main" id="{650B3C1A-FAAC-D243-9355-5C10D8587878}"/>
               </a:ext>
             </a:extLst>
           </p:cNvPr>
@@ -2166,7 +2167,7 @@
           <p:cNvPr id="2" name="Title 1">
             <a:extLst>
               <a:ext uri="{FF2B5EF4-FFF2-40B4-BE49-F238E27FC236}">
-                <a16:creationId xmlns:a16="http://schemas.microsoft.com/office/drawing/2014/main" xmlns="" id="{BECD610C-BB60-B34F-9178-6D4E8CDC6E05}"/>
+                <a16:creationId xmlns="" xmlns:a16="http://schemas.microsoft.com/office/drawing/2014/main" id="{BECD610C-BB60-B34F-9178-6D4E8CDC6E05}"/>
               </a:ext>
             </a:extLst>
           </p:cNvPr>
@@ -2203,7 +2204,7 @@
           <p:cNvPr id="3" name="Content Placeholder 2">
             <a:extLst>
               <a:ext uri="{FF2B5EF4-FFF2-40B4-BE49-F238E27FC236}">
-                <a16:creationId xmlns:a16="http://schemas.microsoft.com/office/drawing/2014/main" xmlns="" id="{DE67E225-B845-6B42-8B77-DEF4C1F9925A}"/>
+                <a16:creationId xmlns="" xmlns:a16="http://schemas.microsoft.com/office/drawing/2014/main" id="{DE67E225-B845-6B42-8B77-DEF4C1F9925A}"/>
               </a:ext>
             </a:extLst>
           </p:cNvPr>
@@ -2293,7 +2294,7 @@
           <p:cNvPr id="4" name="Text Placeholder 3">
             <a:extLst>
               <a:ext uri="{FF2B5EF4-FFF2-40B4-BE49-F238E27FC236}">
-                <a16:creationId xmlns:a16="http://schemas.microsoft.com/office/drawing/2014/main" xmlns="" id="{E01642EE-85DE-F043-842B-4C854C102137}"/>
+                <a16:creationId xmlns="" xmlns:a16="http://schemas.microsoft.com/office/drawing/2014/main" id="{E01642EE-85DE-F043-842B-4C854C102137}"/>
               </a:ext>
             </a:extLst>
           </p:cNvPr>
@@ -2364,7 +2365,7 @@
           <p:cNvPr id="5" name="Date Placeholder 4">
             <a:extLst>
               <a:ext uri="{FF2B5EF4-FFF2-40B4-BE49-F238E27FC236}">
-                <a16:creationId xmlns:a16="http://schemas.microsoft.com/office/drawing/2014/main" xmlns="" id="{C14A561A-6759-0340-B1F2-8A6F32126408}"/>
+                <a16:creationId xmlns="" xmlns:a16="http://schemas.microsoft.com/office/drawing/2014/main" id="{C14A561A-6759-0340-B1F2-8A6F32126408}"/>
               </a:ext>
             </a:extLst>
           </p:cNvPr>
@@ -2382,7 +2383,7 @@
           <a:p>
             <a:fld id="{535F16BF-3CF2-8C4D-A235-C33F2149ABED}" type="datetimeFigureOut">
               <a:rPr lang="en-US" smtClean="0"/>
-              <a:t>11/27/2018</a:t>
+              <a:t>11/28/2018</a:t>
             </a:fld>
             <a:endParaRPr lang="en-US"/>
           </a:p>
@@ -2393,7 +2394,7 @@
           <p:cNvPr id="6" name="Footer Placeholder 5">
             <a:extLst>
               <a:ext uri="{FF2B5EF4-FFF2-40B4-BE49-F238E27FC236}">
-                <a16:creationId xmlns:a16="http://schemas.microsoft.com/office/drawing/2014/main" xmlns="" id="{E7F277A3-6E5B-3349-8C95-DDFBEF873402}"/>
+                <a16:creationId xmlns="" xmlns:a16="http://schemas.microsoft.com/office/drawing/2014/main" id="{E7F277A3-6E5B-3349-8C95-DDFBEF873402}"/>
               </a:ext>
             </a:extLst>
           </p:cNvPr>
@@ -2418,7 +2419,7 @@
           <p:cNvPr id="7" name="Slide Number Placeholder 6">
             <a:extLst>
               <a:ext uri="{FF2B5EF4-FFF2-40B4-BE49-F238E27FC236}">
-                <a16:creationId xmlns:a16="http://schemas.microsoft.com/office/drawing/2014/main" xmlns="" id="{3EC49234-E292-D34E-80C3-CD13E01964DE}"/>
+                <a16:creationId xmlns="" xmlns:a16="http://schemas.microsoft.com/office/drawing/2014/main" id="{3EC49234-E292-D34E-80C3-CD13E01964DE}"/>
               </a:ext>
             </a:extLst>
           </p:cNvPr>
@@ -2477,7 +2478,7 @@
           <p:cNvPr id="2" name="Title 1">
             <a:extLst>
               <a:ext uri="{FF2B5EF4-FFF2-40B4-BE49-F238E27FC236}">
-                <a16:creationId xmlns:a16="http://schemas.microsoft.com/office/drawing/2014/main" xmlns="" id="{919A8151-05A7-B849-90A5-68EB026CC3D6}"/>
+                <a16:creationId xmlns="" xmlns:a16="http://schemas.microsoft.com/office/drawing/2014/main" id="{919A8151-05A7-B849-90A5-68EB026CC3D6}"/>
               </a:ext>
             </a:extLst>
           </p:cNvPr>
@@ -2514,7 +2515,7 @@
           <p:cNvPr id="3" name="Picture Placeholder 2">
             <a:extLst>
               <a:ext uri="{FF2B5EF4-FFF2-40B4-BE49-F238E27FC236}">
-                <a16:creationId xmlns:a16="http://schemas.microsoft.com/office/drawing/2014/main" xmlns="" id="{98FC1686-6DCC-2E40-939D-408473398C03}"/>
+                <a16:creationId xmlns="" xmlns:a16="http://schemas.microsoft.com/office/drawing/2014/main" id="{98FC1686-6DCC-2E40-939D-408473398C03}"/>
               </a:ext>
             </a:extLst>
           </p:cNvPr>
@@ -2581,7 +2582,7 @@
           <p:cNvPr id="4" name="Text Placeholder 3">
             <a:extLst>
               <a:ext uri="{FF2B5EF4-FFF2-40B4-BE49-F238E27FC236}">
-                <a16:creationId xmlns:a16="http://schemas.microsoft.com/office/drawing/2014/main" xmlns="" id="{295B40AD-FDD9-2345-8CCE-277369069A81}"/>
+                <a16:creationId xmlns="" xmlns:a16="http://schemas.microsoft.com/office/drawing/2014/main" id="{295B40AD-FDD9-2345-8CCE-277369069A81}"/>
               </a:ext>
             </a:extLst>
           </p:cNvPr>
@@ -2652,7 +2653,7 @@
           <p:cNvPr id="5" name="Date Placeholder 4">
             <a:extLst>
               <a:ext uri="{FF2B5EF4-FFF2-40B4-BE49-F238E27FC236}">
-                <a16:creationId xmlns:a16="http://schemas.microsoft.com/office/drawing/2014/main" xmlns="" id="{B816B217-1721-EA41-9220-1C0895171169}"/>
+                <a16:creationId xmlns="" xmlns:a16="http://schemas.microsoft.com/office/drawing/2014/main" id="{B816B217-1721-EA41-9220-1C0895171169}"/>
               </a:ext>
             </a:extLst>
           </p:cNvPr>
@@ -2670,7 +2671,7 @@
           <a:p>
             <a:fld id="{535F16BF-3CF2-8C4D-A235-C33F2149ABED}" type="datetimeFigureOut">
               <a:rPr lang="en-US" smtClean="0"/>
-              <a:t>11/27/2018</a:t>
+              <a:t>11/28/2018</a:t>
             </a:fld>
             <a:endParaRPr lang="en-US"/>
           </a:p>
@@ -2681,7 +2682,7 @@
           <p:cNvPr id="6" name="Footer Placeholder 5">
             <a:extLst>
               <a:ext uri="{FF2B5EF4-FFF2-40B4-BE49-F238E27FC236}">
-                <a16:creationId xmlns:a16="http://schemas.microsoft.com/office/drawing/2014/main" xmlns="" id="{5199119A-0B19-734B-B3E9-3D5660134CC9}"/>
+                <a16:creationId xmlns="" xmlns:a16="http://schemas.microsoft.com/office/drawing/2014/main" id="{5199119A-0B19-734B-B3E9-3D5660134CC9}"/>
               </a:ext>
             </a:extLst>
           </p:cNvPr>
@@ -2706,7 +2707,7 @@
           <p:cNvPr id="7" name="Slide Number Placeholder 6">
             <a:extLst>
               <a:ext uri="{FF2B5EF4-FFF2-40B4-BE49-F238E27FC236}">
-                <a16:creationId xmlns:a16="http://schemas.microsoft.com/office/drawing/2014/main" xmlns="" id="{DA0AD206-607A-2A45-8BF9-E618A84A2671}"/>
+                <a16:creationId xmlns="" xmlns:a16="http://schemas.microsoft.com/office/drawing/2014/main" id="{DA0AD206-607A-2A45-8BF9-E618A84A2671}"/>
               </a:ext>
             </a:extLst>
           </p:cNvPr>
@@ -2770,7 +2771,7 @@
           <p:cNvPr id="2" name="Title Placeholder 1">
             <a:extLst>
               <a:ext uri="{FF2B5EF4-FFF2-40B4-BE49-F238E27FC236}">
-                <a16:creationId xmlns:a16="http://schemas.microsoft.com/office/drawing/2014/main" xmlns="" id="{C5FD3A52-2A72-3946-BCDB-4C24FFB0D0CD}"/>
+                <a16:creationId xmlns="" xmlns:a16="http://schemas.microsoft.com/office/drawing/2014/main" id="{C5FD3A52-2A72-3946-BCDB-4C24FFB0D0CD}"/>
               </a:ext>
             </a:extLst>
           </p:cNvPr>
@@ -2808,7 +2809,7 @@
           <p:cNvPr id="3" name="Text Placeholder 2">
             <a:extLst>
               <a:ext uri="{FF2B5EF4-FFF2-40B4-BE49-F238E27FC236}">
-                <a16:creationId xmlns:a16="http://schemas.microsoft.com/office/drawing/2014/main" xmlns="" id="{6E95E879-6643-8E45-A9CF-28D4594D5EFF}"/>
+                <a16:creationId xmlns="" xmlns:a16="http://schemas.microsoft.com/office/drawing/2014/main" id="{6E95E879-6643-8E45-A9CF-28D4594D5EFF}"/>
               </a:ext>
             </a:extLst>
           </p:cNvPr>
@@ -2875,7 +2876,7 @@
           <p:cNvPr id="4" name="Date Placeholder 3">
             <a:extLst>
               <a:ext uri="{FF2B5EF4-FFF2-40B4-BE49-F238E27FC236}">
-                <a16:creationId xmlns:a16="http://schemas.microsoft.com/office/drawing/2014/main" xmlns="" id="{A669012D-858A-3149-8C6F-DB166DC4AFB7}"/>
+                <a16:creationId xmlns="" xmlns:a16="http://schemas.microsoft.com/office/drawing/2014/main" id="{A669012D-858A-3149-8C6F-DB166DC4AFB7}"/>
               </a:ext>
             </a:extLst>
           </p:cNvPr>
@@ -2911,7 +2912,7 @@
           <a:p>
             <a:fld id="{535F16BF-3CF2-8C4D-A235-C33F2149ABED}" type="datetimeFigureOut">
               <a:rPr lang="en-US" smtClean="0"/>
-              <a:t>11/27/2018</a:t>
+              <a:t>11/28/2018</a:t>
             </a:fld>
             <a:endParaRPr lang="en-US"/>
           </a:p>
@@ -2922,7 +2923,7 @@
           <p:cNvPr id="5" name="Footer Placeholder 4">
             <a:extLst>
               <a:ext uri="{FF2B5EF4-FFF2-40B4-BE49-F238E27FC236}">
-                <a16:creationId xmlns:a16="http://schemas.microsoft.com/office/drawing/2014/main" xmlns="" id="{2E9F1552-E8FF-0C44-9642-294F9E8CB021}"/>
+                <a16:creationId xmlns="" xmlns:a16="http://schemas.microsoft.com/office/drawing/2014/main" id="{2E9F1552-E8FF-0C44-9642-294F9E8CB021}"/>
               </a:ext>
             </a:extLst>
           </p:cNvPr>
@@ -2965,7 +2966,7 @@
           <p:cNvPr id="6" name="Slide Number Placeholder 5">
             <a:extLst>
               <a:ext uri="{FF2B5EF4-FFF2-40B4-BE49-F238E27FC236}">
-                <a16:creationId xmlns:a16="http://schemas.microsoft.com/office/drawing/2014/main" xmlns="" id="{7915618B-E3F6-BD4A-8E04-61E94E37A01F}"/>
+                <a16:creationId xmlns="" xmlns:a16="http://schemas.microsoft.com/office/drawing/2014/main" id="{7915618B-E3F6-BD4A-8E04-61E94E37A01F}"/>
               </a:ext>
             </a:extLst>
           </p:cNvPr>
@@ -3333,7 +3334,7 @@
           <p:cNvPr id="4" name="Title 1">
             <a:extLst>
               <a:ext uri="{FF2B5EF4-FFF2-40B4-BE49-F238E27FC236}">
-                <a16:creationId xmlns:a16="http://schemas.microsoft.com/office/drawing/2014/main" xmlns="" id="{A5A27F75-0274-5041-893F-103A09E6E077}"/>
+                <a16:creationId xmlns="" xmlns:a16="http://schemas.microsoft.com/office/drawing/2014/main" id="{A5A27F75-0274-5041-893F-103A09E6E077}"/>
               </a:ext>
             </a:extLst>
           </p:cNvPr>
@@ -3366,7 +3367,7 @@
             </a:r>
             <a:r>
               <a:rPr lang="en-US" sz="7200" dirty="0" smtClean="0"/>
-              <a:t>-learn: Model Evaluation</a:t>
+              <a:t>-learn</a:t>
             </a:r>
             <a:endParaRPr lang="en-US" sz="7200" dirty="0"/>
           </a:p>
@@ -3377,7 +3378,7 @@
           <p:cNvPr id="5" name="Subtitle 2">
             <a:extLst>
               <a:ext uri="{FF2B5EF4-FFF2-40B4-BE49-F238E27FC236}">
-                <a16:creationId xmlns:a16="http://schemas.microsoft.com/office/drawing/2014/main" xmlns="" id="{B7BC0846-0B83-4148-A848-DA284A007A86}"/>
+                <a16:creationId xmlns="" xmlns:a16="http://schemas.microsoft.com/office/drawing/2014/main" id="{B7BC0846-0B83-4148-A848-DA284A007A86}"/>
               </a:ext>
             </a:extLst>
           </p:cNvPr>
@@ -3412,7 +3413,7 @@
           <p:cNvPr id="12" name="Picture 11">
             <a:extLst>
               <a:ext uri="{FF2B5EF4-FFF2-40B4-BE49-F238E27FC236}">
-                <a16:creationId xmlns:a16="http://schemas.microsoft.com/office/drawing/2014/main" xmlns="" id="{87089A12-638E-9E4A-9956-847B8D22D7E5}"/>
+                <a16:creationId xmlns="" xmlns:a16="http://schemas.microsoft.com/office/drawing/2014/main" id="{87089A12-638E-9E4A-9956-847B8D22D7E5}"/>
               </a:ext>
             </a:extLst>
           </p:cNvPr>
@@ -3442,7 +3443,7 @@
           <p:cNvPr id="13" name="Subtitle 2">
             <a:extLst>
               <a:ext uri="{FF2B5EF4-FFF2-40B4-BE49-F238E27FC236}">
-                <a16:creationId xmlns:a16="http://schemas.microsoft.com/office/drawing/2014/main" xmlns="" id="{32B2442F-8482-134E-B7BB-ACDEE32DFF66}"/>
+                <a16:creationId xmlns="" xmlns:a16="http://schemas.microsoft.com/office/drawing/2014/main" id="{32B2442F-8482-134E-B7BB-ACDEE32DFF66}"/>
               </a:ext>
             </a:extLst>
           </p:cNvPr>
@@ -3642,7 +3643,7 @@
           <p:cNvPr id="8" name="Title 1">
             <a:extLst>
               <a:ext uri="{FF2B5EF4-FFF2-40B4-BE49-F238E27FC236}">
-                <a16:creationId xmlns:a16="http://schemas.microsoft.com/office/drawing/2014/main" xmlns="" id="{8A6EF488-D0AA-074A-A33E-2C739931D53E}"/>
+                <a16:creationId xmlns="" xmlns:a16="http://schemas.microsoft.com/office/drawing/2014/main" id="{8A6EF488-D0AA-074A-A33E-2C739931D53E}"/>
               </a:ext>
             </a:extLst>
           </p:cNvPr>
@@ -3782,7 +3783,7 @@
           <p:cNvPr id="3" name="Content Placeholder 2">
             <a:extLst>
               <a:ext uri="{FF2B5EF4-FFF2-40B4-BE49-F238E27FC236}">
-                <a16:creationId xmlns:a16="http://schemas.microsoft.com/office/drawing/2014/main" xmlns="" id="{D8293616-8A68-674D-9AF3-59F682682722}"/>
+                <a16:creationId xmlns="" xmlns:a16="http://schemas.microsoft.com/office/drawing/2014/main" id="{D8293616-8A68-674D-9AF3-59F682682722}"/>
               </a:ext>
             </a:extLst>
           </p:cNvPr>
@@ -3795,13 +3796,13 @@
         </p:nvSpPr>
         <p:spPr>
           <a:xfrm>
-            <a:off x="2906576" y="3677055"/>
-            <a:ext cx="8447224" cy="2933810"/>
+            <a:off x="2115741" y="3367075"/>
+            <a:ext cx="8447224" cy="1407400"/>
           </a:xfrm>
         </p:spPr>
         <p:txBody>
           <a:bodyPr>
-            <a:normAutofit/>
+            <a:noAutofit/>
           </a:bodyPr>
           <a:lstStyle/>
           <a:p>
@@ -3811,7 +3812,19 @@
               </a:spcBef>
               <a:buNone/>
             </a:pPr>
-            <a:endParaRPr lang="en-US" sz="4400" dirty="0"/>
+            <a:r>
+              <a:rPr lang="en-US" sz="4900" dirty="0" smtClean="0"/>
+              <a:t>twitter.com</a:t>
+            </a:r>
+            <a:r>
+              <a:rPr lang="en-US" sz="4900" dirty="0"/>
+              <a:t>/@</a:t>
+            </a:r>
+            <a:r>
+              <a:rPr lang="en-US" sz="4900" dirty="0" err="1"/>
+              <a:t>DrOzTurk</a:t>
+            </a:r>
+            <a:endParaRPr lang="en-US" sz="4900" dirty="0"/>
           </a:p>
           <a:p>
             <a:pPr>
@@ -3821,18 +3834,14 @@
               <a:buNone/>
             </a:pPr>
             <a:r>
-              <a:rPr lang="en-US" sz="4400" dirty="0" err="1"/>
-              <a:t>twitter.com</a:t>
-            </a:r>
-            <a:r>
-              <a:rPr lang="en-US" sz="4400" dirty="0"/>
-              <a:t>/@</a:t>
-            </a:r>
-            <a:r>
-              <a:rPr lang="en-US" sz="4400" dirty="0" err="1"/>
+              <a:rPr lang="en-US" sz="4900" dirty="0" smtClean="0"/>
+              <a:t>linkedin.com/in/</a:t>
+            </a:r>
+            <a:r>
+              <a:rPr lang="en-US" sz="4900" dirty="0" err="1" smtClean="0"/>
               <a:t>DrOzTurk</a:t>
             </a:r>
-            <a:endParaRPr lang="en-US" sz="4400" dirty="0"/>
+            <a:endParaRPr lang="en-US" sz="4900" dirty="0" smtClean="0"/>
           </a:p>
           <a:p>
             <a:pPr>
@@ -3841,19 +3850,11 @@
               </a:spcBef>
               <a:buNone/>
             </a:pPr>
-            <a:r>
-              <a:rPr lang="en-US" sz="4400" dirty="0" err="1"/>
-              <a:t>linkedin.com</a:t>
-            </a:r>
-            <a:r>
-              <a:rPr lang="en-US" sz="4400" dirty="0"/>
-              <a:t>/in/</a:t>
-            </a:r>
-            <a:r>
-              <a:rPr lang="en-US" sz="4400" dirty="0" err="1"/>
-              <a:t>DrOzTurk</a:t>
-            </a:r>
-            <a:endParaRPr lang="en-US" sz="4400" dirty="0"/>
+            <a:endParaRPr lang="en-US" sz="3600" dirty="0" smtClean="0">
+              <a:solidFill>
+                <a:srgbClr val="FF0000"/>
+              </a:solidFill>
+            </a:endParaRPr>
           </a:p>
           <a:p>
             <a:pPr>
@@ -3862,10 +3863,48 @@
               </a:spcBef>
               <a:buNone/>
             </a:pPr>
-            <a:endParaRPr lang="en-US" sz="2000" dirty="0"/>
-          </a:p>
-          <a:p>
-            <a:endParaRPr lang="en-US" sz="2000" dirty="0"/>
+            <a:r>
+              <a:rPr lang="en-US" sz="3600" dirty="0" smtClean="0">
+                <a:solidFill>
+                  <a:srgbClr val="FF0000"/>
+                </a:solidFill>
+              </a:rPr>
+              <a:t>To download these slides:</a:t>
+            </a:r>
+            <a:endParaRPr lang="en-US" sz="4900" dirty="0" smtClean="0">
+              <a:solidFill>
+                <a:srgbClr val="FF0000"/>
+              </a:solidFill>
+            </a:endParaRPr>
+          </a:p>
+          <a:p>
+            <a:pPr>
+              <a:spcBef>
+                <a:spcPts val="0"/>
+              </a:spcBef>
+              <a:buNone/>
+            </a:pPr>
+            <a:r>
+              <a:rPr lang="en-US" sz="4900" dirty="0" smtClean="0">
+                <a:solidFill>
+                  <a:srgbClr val="FF0000"/>
+                </a:solidFill>
+              </a:rPr>
+              <a:t>tinyurl.com/</a:t>
+            </a:r>
+            <a:r>
+              <a:rPr lang="en-US" sz="4900" dirty="0" err="1" smtClean="0">
+                <a:solidFill>
+                  <a:srgbClr val="FF0000"/>
+                </a:solidFill>
+              </a:rPr>
+              <a:t>ModelEvaluation</a:t>
+            </a:r>
+            <a:endParaRPr lang="en-US" sz="4900" dirty="0">
+              <a:solidFill>
+                <a:srgbClr val="FF0000"/>
+              </a:solidFill>
+            </a:endParaRPr>
           </a:p>
         </p:txBody>
       </p:sp>
@@ -3874,7 +3913,7 @@
           <p:cNvPr id="4" name="Picture 3">
             <a:extLst>
               <a:ext uri="{FF2B5EF4-FFF2-40B4-BE49-F238E27FC236}">
-                <a16:creationId xmlns:a16="http://schemas.microsoft.com/office/drawing/2014/main" xmlns="" id="{3FACDBA0-E167-0E43-B7BB-71A1B653FCC2}"/>
+                <a16:creationId xmlns="" xmlns:a16="http://schemas.microsoft.com/office/drawing/2014/main" id="{3FACDBA0-E167-0E43-B7BB-71A1B653FCC2}"/>
               </a:ext>
             </a:extLst>
           </p:cNvPr>
@@ -3904,7 +3943,7 @@
           <p:cNvPr id="8" name="Shape 26">
             <a:extLst>
               <a:ext uri="{FF2B5EF4-FFF2-40B4-BE49-F238E27FC236}">
-                <a16:creationId xmlns:a16="http://schemas.microsoft.com/office/drawing/2014/main" xmlns="" id="{FA13E736-97B0-AC49-B56C-186D8875FBE4}"/>
+                <a16:creationId xmlns="" xmlns:a16="http://schemas.microsoft.com/office/drawing/2014/main" id="{FA13E736-97B0-AC49-B56C-186D8875FBE4}"/>
               </a:ext>
             </a:extLst>
           </p:cNvPr>
@@ -3921,7 +3960,7 @@
         </p:blipFill>
         <p:spPr>
           <a:xfrm>
-            <a:off x="2422851" y="4349282"/>
+            <a:off x="1632016" y="3471829"/>
             <a:ext cx="483725" cy="483725"/>
           </a:xfrm>
           <a:prstGeom prst="rect">
@@ -3938,7 +3977,7 @@
           <p:cNvPr id="9" name="Shape 27">
             <a:extLst>
               <a:ext uri="{FF2B5EF4-FFF2-40B4-BE49-F238E27FC236}">
-                <a16:creationId xmlns:a16="http://schemas.microsoft.com/office/drawing/2014/main" xmlns="" id="{3E0D23A0-A034-6247-A71C-A3EEA89309F5}"/>
+                <a16:creationId xmlns="" xmlns:a16="http://schemas.microsoft.com/office/drawing/2014/main" id="{3E0D23A0-A034-6247-A71C-A3EEA89309F5}"/>
               </a:ext>
             </a:extLst>
           </p:cNvPr>
@@ -3955,7 +3994,7 @@
         </p:blipFill>
         <p:spPr>
           <a:xfrm>
-            <a:off x="2385977" y="4948228"/>
+            <a:off x="1595142" y="4070775"/>
             <a:ext cx="557475" cy="557475"/>
           </a:xfrm>
           <a:prstGeom prst="rect">
@@ -3972,7 +4011,7 @@
           <p:cNvPr id="10" name="Content Placeholder 2">
             <a:extLst>
               <a:ext uri="{FF2B5EF4-FFF2-40B4-BE49-F238E27FC236}">
-                <a16:creationId xmlns:a16="http://schemas.microsoft.com/office/drawing/2014/main" xmlns="" id="{700F39A1-33E7-0E47-B1CB-9BD6C9C33515}"/>
+                <a16:creationId xmlns="" xmlns:a16="http://schemas.microsoft.com/office/drawing/2014/main" id="{700F39A1-33E7-0E47-B1CB-9BD6C9C33515}"/>
               </a:ext>
             </a:extLst>
           </p:cNvPr>
@@ -4295,7 +4334,7 @@
           <p:cNvPr id="2" name="Title 1">
             <a:extLst>
               <a:ext uri="{FF2B5EF4-FFF2-40B4-BE49-F238E27FC236}">
-                <a16:creationId xmlns:a16="http://schemas.microsoft.com/office/drawing/2014/main" xmlns="" id="{3BEE08CC-2275-5C4C-99C6-A9E6FAC03DC9}"/>
+                <a16:creationId xmlns="" xmlns:a16="http://schemas.microsoft.com/office/drawing/2014/main" id="{3BEE08CC-2275-5C4C-99C6-A9E6FAC03DC9}"/>
               </a:ext>
             </a:extLst>
           </p:cNvPr>
@@ -4330,7 +4369,7 @@
           <p:cNvPr id="3" name="Content Placeholder 2">
             <a:extLst>
               <a:ext uri="{FF2B5EF4-FFF2-40B4-BE49-F238E27FC236}">
-                <a16:creationId xmlns:a16="http://schemas.microsoft.com/office/drawing/2014/main" xmlns="" id="{B7A8D63E-FE0F-7147-8297-222B1C7FD895}"/>
+                <a16:creationId xmlns="" xmlns:a16="http://schemas.microsoft.com/office/drawing/2014/main" id="{B7A8D63E-FE0F-7147-8297-222B1C7FD895}"/>
               </a:ext>
             </a:extLst>
           </p:cNvPr>
@@ -4377,7 +4416,7 @@
           <p:cNvPr id="7" name="Picture 6">
             <a:extLst>
               <a:ext uri="{FF2B5EF4-FFF2-40B4-BE49-F238E27FC236}">
-                <a16:creationId xmlns:a16="http://schemas.microsoft.com/office/drawing/2014/main" xmlns="" id="{08D87091-16D6-5B4E-B5B8-DF0DB49FE2C9}"/>
+                <a16:creationId xmlns="" xmlns:a16="http://schemas.microsoft.com/office/drawing/2014/main" id="{08D87091-16D6-5B4E-B5B8-DF0DB49FE2C9}"/>
               </a:ext>
             </a:extLst>
           </p:cNvPr>
@@ -4407,7 +4446,7 @@
           <p:cNvPr id="8" name="Picture 7">
             <a:extLst>
               <a:ext uri="{FF2B5EF4-FFF2-40B4-BE49-F238E27FC236}">
-                <a16:creationId xmlns:a16="http://schemas.microsoft.com/office/drawing/2014/main" xmlns="" id="{12389330-A6AC-3B4D-9FEA-0F0DFF610BAF}"/>
+                <a16:creationId xmlns="" xmlns:a16="http://schemas.microsoft.com/office/drawing/2014/main" id="{12389330-A6AC-3B4D-9FEA-0F0DFF610BAF}"/>
               </a:ext>
             </a:extLst>
           </p:cNvPr>
@@ -4454,6 +4493,148 @@
       </p:transition>
     </mc:Fallback>
   </mc:AlternateContent>
+</p:sld>
+</file>
+
+<file path=ppt/slides/slide4.xml><?xml version="1.0" encoding="utf-8"?>
+<p:sld xmlns:a="http://schemas.openxmlformats.org/drawingml/2006/main" xmlns:r="http://schemas.openxmlformats.org/officeDocument/2006/relationships" xmlns:p="http://schemas.openxmlformats.org/presentationml/2006/main">
+  <p:cSld>
+    <p:spTree>
+      <p:nvGrpSpPr>
+        <p:cNvPr id="1" name=""/>
+        <p:cNvGrpSpPr/>
+        <p:nvPr/>
+      </p:nvGrpSpPr>
+      <p:grpSpPr>
+        <a:xfrm>
+          <a:off x="0" y="0"/>
+          <a:ext cx="0" cy="0"/>
+          <a:chOff x="0" y="0"/>
+          <a:chExt cx="0" cy="0"/>
+        </a:xfrm>
+      </p:grpSpPr>
+      <p:sp>
+        <p:nvSpPr>
+          <p:cNvPr id="2" name="Title 1"/>
+          <p:cNvSpPr>
+            <a:spLocks noGrp="1"/>
+          </p:cNvSpPr>
+          <p:nvPr>
+            <p:ph type="title"/>
+          </p:nvPr>
+        </p:nvSpPr>
+        <p:spPr/>
+        <p:txBody>
+          <a:bodyPr/>
+          <a:lstStyle/>
+          <a:p>
+            <a:r>
+              <a:rPr lang="en-US" dirty="0" smtClean="0"/>
+              <a:t>Based on</a:t>
+            </a:r>
+            <a:endParaRPr lang="en-US" dirty="0"/>
+          </a:p>
+        </p:txBody>
+      </p:sp>
+      <p:sp>
+        <p:nvSpPr>
+          <p:cNvPr id="3" name="Content Placeholder 2"/>
+          <p:cNvSpPr>
+            <a:spLocks noGrp="1"/>
+          </p:cNvSpPr>
+          <p:nvPr>
+            <p:ph idx="1"/>
+          </p:nvPr>
+        </p:nvSpPr>
+        <p:spPr>
+          <a:xfrm>
+            <a:off x="5772726" y="1825625"/>
+            <a:ext cx="5581073" cy="4351338"/>
+          </a:xfrm>
+        </p:spPr>
+        <p:txBody>
+          <a:bodyPr/>
+          <a:lstStyle/>
+          <a:p>
+            <a:r>
+              <a:rPr lang="en-US" dirty="0" smtClean="0"/>
+              <a:t>Free online</a:t>
+            </a:r>
+          </a:p>
+          <a:p>
+            <a:r>
+              <a:rPr lang="en-US" dirty="0">
+                <a:hlinkClick r:id="rId2"/>
+              </a:rPr>
+              <a:t>https://jakevdp.github.io/PythonDataScienceHandbook</a:t>
+            </a:r>
+            <a:r>
+              <a:rPr lang="en-US" dirty="0" smtClean="0">
+                <a:hlinkClick r:id="rId2"/>
+              </a:rPr>
+              <a:t>/</a:t>
+            </a:r>
+            <a:endParaRPr lang="en-US" dirty="0" smtClean="0"/>
+          </a:p>
+          <a:p>
+            <a:endParaRPr lang="en-US" dirty="0"/>
+          </a:p>
+          <a:p>
+            <a:endParaRPr lang="en-US" dirty="0"/>
+          </a:p>
+        </p:txBody>
+      </p:sp>
+      <p:pic>
+        <p:nvPicPr>
+          <p:cNvPr id="3076" name="Picture 4" descr="Book Cover"/>
+          <p:cNvPicPr>
+            <a:picLocks noChangeAspect="1" noChangeArrowheads="1"/>
+          </p:cNvPicPr>
+          <p:nvPr/>
+        </p:nvPicPr>
+        <p:blipFill>
+          <a:blip r:embed="rId3">
+            <a:extLst>
+              <a:ext uri="{28A0092B-C50C-407E-A947-70E740481C1C}">
+                <a14:useLocalDpi xmlns:a14="http://schemas.microsoft.com/office/drawing/2010/main" val="0"/>
+              </a:ext>
+            </a:extLst>
+          </a:blip>
+          <a:srcRect/>
+          <a:stretch>
+            <a:fillRect/>
+          </a:stretch>
+        </p:blipFill>
+        <p:spPr bwMode="auto">
+          <a:xfrm>
+            <a:off x="838200" y="1555027"/>
+            <a:ext cx="3600450" cy="4752976"/>
+          </a:xfrm>
+          <a:prstGeom prst="rect">
+            <a:avLst/>
+          </a:prstGeom>
+          <a:noFill/>
+          <a:extLst>
+            <a:ext uri="{909E8E84-426E-40DD-AFC4-6F175D3DCCD1}">
+              <a14:hiddenFill xmlns:a14="http://schemas.microsoft.com/office/drawing/2010/main">
+                <a:solidFill>
+                  <a:srgbClr val="FFFFFF"/>
+                </a:solidFill>
+              </a14:hiddenFill>
+            </a:ext>
+          </a:extLst>
+        </p:spPr>
+      </p:pic>
+    </p:spTree>
+    <p:extLst>
+      <p:ext uri="{BB962C8B-B14F-4D97-AF65-F5344CB8AC3E}">
+        <p14:creationId xmlns:p14="http://schemas.microsoft.com/office/powerpoint/2010/main" val="2322307517"/>
+      </p:ext>
+    </p:extLst>
+  </p:cSld>
+  <p:clrMapOvr>
+    <a:masterClrMapping/>
+  </p:clrMapOvr>
 </p:sld>
 </file>
 
